--- a/docs/ApiManager_Architect.pptx
+++ b/docs/ApiManager_Architect.pptx
@@ -310,7 +310,7 @@
           <a:p>
             <a:fld id="{FAC60E34-B471-4EB5-B332-C61C66D81145}" type="datetimeFigureOut">
               <a:rPr lang="zh-CN" altLang="en-US" smtClean="0"/>
-              <a:t>2021/6/8</a:t>
+              <a:t>2021/6/22</a:t>
             </a:fld>
             <a:endParaRPr lang="zh-CN" altLang="en-US"/>
           </a:p>
@@ -591,7 +591,7 @@
           <a:p>
             <a:fld id="{FAC60E34-B471-4EB5-B332-C61C66D81145}" type="datetimeFigureOut">
               <a:rPr lang="zh-CN" altLang="en-US" smtClean="0"/>
-              <a:t>2021/6/8</a:t>
+              <a:t>2021/6/22</a:t>
             </a:fld>
             <a:endParaRPr lang="zh-CN" altLang="en-US"/>
           </a:p>
@@ -783,7 +783,7 @@
           <a:p>
             <a:fld id="{FAC60E34-B471-4EB5-B332-C61C66D81145}" type="datetimeFigureOut">
               <a:rPr lang="zh-CN" altLang="en-US" smtClean="0"/>
-              <a:t>2021/6/8</a:t>
+              <a:t>2021/6/22</a:t>
             </a:fld>
             <a:endParaRPr lang="zh-CN" altLang="en-US"/>
           </a:p>
@@ -1044,7 +1044,7 @@
           <a:p>
             <a:fld id="{FAC60E34-B471-4EB5-B332-C61C66D81145}" type="datetimeFigureOut">
               <a:rPr lang="zh-CN" altLang="en-US" smtClean="0"/>
-              <a:t>2021/6/8</a:t>
+              <a:t>2021/6/22</a:t>
             </a:fld>
             <a:endParaRPr lang="zh-CN" altLang="en-US"/>
           </a:p>
@@ -1470,7 +1470,7 @@
           <a:p>
             <a:fld id="{FAC60E34-B471-4EB5-B332-C61C66D81145}" type="datetimeFigureOut">
               <a:rPr lang="zh-CN" altLang="en-US" smtClean="0"/>
-              <a:t>2021/6/8</a:t>
+              <a:t>2021/6/22</a:t>
             </a:fld>
             <a:endParaRPr lang="zh-CN" altLang="en-US"/>
           </a:p>
@@ -2016,7 +2016,7 @@
           <a:p>
             <a:fld id="{FAC60E34-B471-4EB5-B332-C61C66D81145}" type="datetimeFigureOut">
               <a:rPr lang="zh-CN" altLang="en-US" smtClean="0"/>
-              <a:t>2021/6/8</a:t>
+              <a:t>2021/6/22</a:t>
             </a:fld>
             <a:endParaRPr lang="zh-CN" altLang="en-US"/>
           </a:p>
@@ -2847,7 +2847,7 @@
           <a:p>
             <a:fld id="{FAC60E34-B471-4EB5-B332-C61C66D81145}" type="datetimeFigureOut">
               <a:rPr lang="zh-CN" altLang="en-US" smtClean="0"/>
-              <a:t>2021/6/8</a:t>
+              <a:t>2021/6/22</a:t>
             </a:fld>
             <a:endParaRPr lang="zh-CN" altLang="en-US"/>
           </a:p>
@@ -3017,7 +3017,7 @@
           <a:p>
             <a:fld id="{FAC60E34-B471-4EB5-B332-C61C66D81145}" type="datetimeFigureOut">
               <a:rPr lang="zh-CN" altLang="en-US" smtClean="0"/>
-              <a:t>2021/6/8</a:t>
+              <a:t>2021/6/22</a:t>
             </a:fld>
             <a:endParaRPr lang="zh-CN" altLang="en-US"/>
           </a:p>
@@ -3197,7 +3197,7 @@
           <a:p>
             <a:fld id="{FAC60E34-B471-4EB5-B332-C61C66D81145}" type="datetimeFigureOut">
               <a:rPr lang="zh-CN" altLang="en-US" smtClean="0"/>
-              <a:t>2021/6/8</a:t>
+              <a:t>2021/6/22</a:t>
             </a:fld>
             <a:endParaRPr lang="zh-CN" altLang="en-US"/>
           </a:p>
@@ -3367,7 +3367,7 @@
           <a:p>
             <a:fld id="{FAC60E34-B471-4EB5-B332-C61C66D81145}" type="datetimeFigureOut">
               <a:rPr lang="zh-CN" altLang="en-US" smtClean="0"/>
-              <a:t>2021/6/8</a:t>
+              <a:t>2021/6/22</a:t>
             </a:fld>
             <a:endParaRPr lang="zh-CN" altLang="en-US"/>
           </a:p>
@@ -3624,7 +3624,7 @@
           <a:p>
             <a:fld id="{FAC60E34-B471-4EB5-B332-C61C66D81145}" type="datetimeFigureOut">
               <a:rPr lang="zh-CN" altLang="en-US" smtClean="0"/>
-              <a:t>2021/6/8</a:t>
+              <a:t>2021/6/22</a:t>
             </a:fld>
             <a:endParaRPr lang="zh-CN" altLang="en-US"/>
           </a:p>
@@ -3856,7 +3856,7 @@
           <a:p>
             <a:fld id="{FAC60E34-B471-4EB5-B332-C61C66D81145}" type="datetimeFigureOut">
               <a:rPr lang="zh-CN" altLang="en-US" smtClean="0"/>
-              <a:t>2021/6/8</a:t>
+              <a:t>2021/6/22</a:t>
             </a:fld>
             <a:endParaRPr lang="zh-CN" altLang="en-US"/>
           </a:p>
@@ -4249,7 +4249,7 @@
           <a:p>
             <a:fld id="{FAC60E34-B471-4EB5-B332-C61C66D81145}" type="datetimeFigureOut">
               <a:rPr lang="zh-CN" altLang="en-US" smtClean="0"/>
-              <a:t>2021/6/8</a:t>
+              <a:t>2021/6/22</a:t>
             </a:fld>
             <a:endParaRPr lang="zh-CN" altLang="en-US"/>
           </a:p>
@@ -4367,7 +4367,7 @@
           <a:p>
             <a:fld id="{FAC60E34-B471-4EB5-B332-C61C66D81145}" type="datetimeFigureOut">
               <a:rPr lang="zh-CN" altLang="en-US" smtClean="0"/>
-              <a:t>2021/6/8</a:t>
+              <a:t>2021/6/22</a:t>
             </a:fld>
             <a:endParaRPr lang="zh-CN" altLang="en-US"/>
           </a:p>
@@ -4462,7 +4462,7 @@
           <a:p>
             <a:fld id="{FAC60E34-B471-4EB5-B332-C61C66D81145}" type="datetimeFigureOut">
               <a:rPr lang="zh-CN" altLang="en-US" smtClean="0"/>
-              <a:t>2021/6/8</a:t>
+              <a:t>2021/6/22</a:t>
             </a:fld>
             <a:endParaRPr lang="zh-CN" altLang="en-US"/>
           </a:p>
@@ -4735,7 +4735,7 @@
           <a:p>
             <a:fld id="{FAC60E34-B471-4EB5-B332-C61C66D81145}" type="datetimeFigureOut">
               <a:rPr lang="zh-CN" altLang="en-US" smtClean="0"/>
-              <a:t>2021/6/8</a:t>
+              <a:t>2021/6/22</a:t>
             </a:fld>
             <a:endParaRPr lang="zh-CN" altLang="en-US"/>
           </a:p>
@@ -5016,7 +5016,7 @@
           <a:p>
             <a:fld id="{FAC60E34-B471-4EB5-B332-C61C66D81145}" type="datetimeFigureOut">
               <a:rPr lang="zh-CN" altLang="en-US" smtClean="0"/>
-              <a:t>2021/6/8</a:t>
+              <a:t>2021/6/22</a:t>
             </a:fld>
             <a:endParaRPr lang="zh-CN" altLang="en-US"/>
           </a:p>
@@ -5256,7 +5256,7 @@
           <a:p>
             <a:fld id="{FAC60E34-B471-4EB5-B332-C61C66D81145}" type="datetimeFigureOut">
               <a:rPr lang="zh-CN" altLang="en-US" smtClean="0"/>
-              <a:t>2021/6/8</a:t>
+              <a:t>2021/6/22</a:t>
             </a:fld>
             <a:endParaRPr lang="zh-CN" altLang="en-US"/>
           </a:p>
@@ -6231,6 +6231,50 @@
           </a:p>
         </p:txBody>
       </p:sp>
+      <p:sp>
+        <p:nvSpPr>
+          <p:cNvPr id="15" name="圆角矩形 14"/>
+          <p:cNvSpPr/>
+          <p:nvPr/>
+        </p:nvSpPr>
+        <p:spPr>
+          <a:xfrm>
+            <a:off x="5594465" y="3701935"/>
+            <a:ext cx="1537854" cy="665018"/>
+          </a:xfrm>
+          <a:prstGeom prst="roundRect">
+            <a:avLst/>
+          </a:prstGeom>
+        </p:spPr>
+        <p:style>
+          <a:lnRef idx="2">
+            <a:schemeClr val="accent1">
+              <a:shade val="50000"/>
+            </a:schemeClr>
+          </a:lnRef>
+          <a:fillRef idx="1">
+            <a:schemeClr val="accent1"/>
+          </a:fillRef>
+          <a:effectRef idx="0">
+            <a:schemeClr val="accent1"/>
+          </a:effectRef>
+          <a:fontRef idx="minor">
+            <a:schemeClr val="lt1"/>
+          </a:fontRef>
+        </p:style>
+        <p:txBody>
+          <a:bodyPr rtlCol="0" anchor="ctr"/>
+          <a:lstStyle/>
+          <a:p>
+            <a:pPr algn="ctr"/>
+            <a:r>
+              <a:rPr lang="en-US" altLang="zh-CN" dirty="0" smtClean="0"/>
+              <a:t>Node</a:t>
+            </a:r>
+            <a:endParaRPr lang="zh-CN" altLang="en-US" dirty="0"/>
+          </a:p>
+        </p:txBody>
+      </p:sp>
     </p:spTree>
     <p:extLst>
       <p:ext uri="{BB962C8B-B14F-4D97-AF65-F5344CB8AC3E}">
@@ -6317,8 +6361,8 @@
         </p:nvSpPr>
         <p:spPr>
           <a:xfrm>
-            <a:off x="1056442" y="3883241"/>
-            <a:ext cx="3160448" cy="2183907"/>
+            <a:off x="1056442" y="4779816"/>
+            <a:ext cx="3160448" cy="1220828"/>
           </a:xfrm>
           <a:prstGeom prst="roundRect">
             <a:avLst/>
@@ -6347,7 +6391,11 @@
             <a:pPr algn="ctr"/>
             <a:r>
               <a:rPr lang="zh-CN" altLang="en-US" dirty="0" smtClean="0"/>
-              <a:t>接口元数管理功能</a:t>
+              <a:t>接口管理</a:t>
+            </a:r>
+            <a:r>
+              <a:rPr lang="zh-CN" altLang="en-US" dirty="0" smtClean="0"/>
+              <a:t>功能</a:t>
             </a:r>
             <a:endParaRPr lang="en-US" altLang="zh-CN" dirty="0" smtClean="0"/>
           </a:p>
@@ -6376,8 +6424,8 @@
         </p:nvSpPr>
         <p:spPr>
           <a:xfrm>
-            <a:off x="1056442" y="1731146"/>
-            <a:ext cx="6931239" cy="1643847"/>
+            <a:off x="1056441" y="3217023"/>
+            <a:ext cx="6931239" cy="1383484"/>
           </a:xfrm>
           <a:prstGeom prst="roundRect">
             <a:avLst/>
@@ -6456,8 +6504,8 @@
         </p:nvSpPr>
         <p:spPr>
           <a:xfrm>
-            <a:off x="4833891" y="3883241"/>
-            <a:ext cx="3153789" cy="2197962"/>
+            <a:off x="4833891" y="4779815"/>
+            <a:ext cx="3153789" cy="1234883"/>
           </a:xfrm>
           <a:prstGeom prst="roundRect">
             <a:avLst/>
@@ -6521,8 +6569,8 @@
         </p:nvSpPr>
         <p:spPr>
           <a:xfrm>
-            <a:off x="8353887" y="1731146"/>
-            <a:ext cx="2421384" cy="4350057"/>
+            <a:off x="8353887" y="3217023"/>
+            <a:ext cx="2421384" cy="2797676"/>
           </a:xfrm>
           <a:prstGeom prst="roundRect">
             <a:avLst/>
@@ -6604,6 +6652,258 @@
               <a:t>功能架构</a:t>
             </a:r>
             <a:endParaRPr lang="zh-CN" altLang="en-US" dirty="0"/>
+          </a:p>
+        </p:txBody>
+      </p:sp>
+      <p:sp>
+        <p:nvSpPr>
+          <p:cNvPr id="4" name="圆角矩形 3"/>
+          <p:cNvSpPr/>
+          <p:nvPr/>
+        </p:nvSpPr>
+        <p:spPr>
+          <a:xfrm>
+            <a:off x="1056440" y="1537847"/>
+            <a:ext cx="2717537" cy="1280160"/>
+          </a:xfrm>
+          <a:prstGeom prst="roundRect">
+            <a:avLst/>
+          </a:prstGeom>
+        </p:spPr>
+        <p:style>
+          <a:lnRef idx="3">
+            <a:schemeClr val="lt1"/>
+          </a:lnRef>
+          <a:fillRef idx="1">
+            <a:schemeClr val="accent1"/>
+          </a:fillRef>
+          <a:effectRef idx="1">
+            <a:schemeClr val="accent1"/>
+          </a:effectRef>
+          <a:fontRef idx="minor">
+            <a:schemeClr val="lt1"/>
+          </a:fontRef>
+        </p:style>
+        <p:txBody>
+          <a:bodyPr rtlCol="0" anchor="ctr"/>
+          <a:lstStyle/>
+          <a:p>
+            <a:pPr algn="ctr"/>
+            <a:r>
+              <a:rPr lang="en-US" altLang="zh-CN" b="1" dirty="0" err="1" smtClean="0">
+                <a:ln w="10160">
+                  <a:solidFill>
+                    <a:schemeClr val="accent5"/>
+                  </a:solidFill>
+                  <a:prstDash val="solid"/>
+                </a:ln>
+                <a:solidFill>
+                  <a:srgbClr val="FFFFFF"/>
+                </a:solidFill>
+                <a:effectLst>
+                  <a:outerShdw blurRad="38100" dist="22860" dir="5400000" algn="tl" rotWithShape="0">
+                    <a:srgbClr val="000000">
+                      <a:alpha val="30000"/>
+                    </a:srgbClr>
+                  </a:outerShdw>
+                </a:effectLst>
+              </a:rPr>
+              <a:t>Js</a:t>
+            </a:r>
+            <a:r>
+              <a:rPr lang="zh-CN" altLang="en-US" b="1" dirty="0" smtClean="0">
+                <a:ln w="10160">
+                  <a:solidFill>
+                    <a:schemeClr val="accent5"/>
+                  </a:solidFill>
+                  <a:prstDash val="solid"/>
+                </a:ln>
+                <a:solidFill>
+                  <a:srgbClr val="FFFFFF"/>
+                </a:solidFill>
+                <a:effectLst>
+                  <a:outerShdw blurRad="38100" dist="22860" dir="5400000" algn="tl" rotWithShape="0">
+                    <a:srgbClr val="000000">
+                      <a:alpha val="30000"/>
+                    </a:srgbClr>
+                  </a:outerShdw>
+                </a:effectLst>
+              </a:rPr>
+              <a:t>代码生成</a:t>
+            </a:r>
+            <a:endParaRPr lang="zh-CN" altLang="en-US" b="1" dirty="0">
+              <a:ln w="10160">
+                <a:solidFill>
+                  <a:schemeClr val="accent5"/>
+                </a:solidFill>
+                <a:prstDash val="solid"/>
+              </a:ln>
+              <a:solidFill>
+                <a:srgbClr val="FFFFFF"/>
+              </a:solidFill>
+              <a:effectLst>
+                <a:outerShdw blurRad="38100" dist="22860" dir="5400000" algn="tl" rotWithShape="0">
+                  <a:srgbClr val="000000">
+                    <a:alpha val="30000"/>
+                  </a:srgbClr>
+                </a:outerShdw>
+              </a:effectLst>
+            </a:endParaRPr>
+          </a:p>
+        </p:txBody>
+      </p:sp>
+      <p:sp>
+        <p:nvSpPr>
+          <p:cNvPr id="10" name="圆角矩形 9"/>
+          <p:cNvSpPr/>
+          <p:nvPr/>
+        </p:nvSpPr>
+        <p:spPr>
+          <a:xfrm>
+            <a:off x="4530002" y="1495958"/>
+            <a:ext cx="2774114" cy="1280160"/>
+          </a:xfrm>
+          <a:prstGeom prst="roundRect">
+            <a:avLst/>
+          </a:prstGeom>
+        </p:spPr>
+        <p:style>
+          <a:lnRef idx="3">
+            <a:schemeClr val="lt1"/>
+          </a:lnRef>
+          <a:fillRef idx="1">
+            <a:schemeClr val="accent1"/>
+          </a:fillRef>
+          <a:effectRef idx="1">
+            <a:schemeClr val="accent1"/>
+          </a:effectRef>
+          <a:fontRef idx="minor">
+            <a:schemeClr val="lt1"/>
+          </a:fontRef>
+        </p:style>
+        <p:txBody>
+          <a:bodyPr rtlCol="0" anchor="ctr"/>
+          <a:lstStyle/>
+          <a:p>
+            <a:pPr algn="ctr"/>
+            <a:r>
+              <a:rPr lang="zh-CN" altLang="en-US" b="1" dirty="0" smtClean="0">
+                <a:ln w="10160">
+                  <a:solidFill>
+                    <a:schemeClr val="accent5"/>
+                  </a:solidFill>
+                  <a:prstDash val="solid"/>
+                </a:ln>
+                <a:solidFill>
+                  <a:srgbClr val="FFFFFF"/>
+                </a:solidFill>
+                <a:effectLst>
+                  <a:outerShdw blurRad="38100" dist="22860" dir="5400000" algn="tl" rotWithShape="0">
+                    <a:srgbClr val="000000">
+                      <a:alpha val="30000"/>
+                    </a:srgbClr>
+                  </a:outerShdw>
+                </a:effectLst>
+              </a:rPr>
+              <a:t>示例</a:t>
+            </a:r>
+            <a:r>
+              <a:rPr lang="zh-CN" altLang="en-US" b="1" dirty="0">
+                <a:ln w="10160">
+                  <a:solidFill>
+                    <a:schemeClr val="accent5"/>
+                  </a:solidFill>
+                  <a:prstDash val="solid"/>
+                </a:ln>
+                <a:solidFill>
+                  <a:srgbClr val="FFFFFF"/>
+                </a:solidFill>
+                <a:effectLst>
+                  <a:outerShdw blurRad="38100" dist="22860" dir="5400000" algn="tl" rotWithShape="0">
+                    <a:srgbClr val="000000">
+                      <a:alpha val="30000"/>
+                    </a:srgbClr>
+                  </a:outerShdw>
+                </a:effectLst>
+              </a:rPr>
+              <a:t>生成</a:t>
+            </a:r>
+          </a:p>
+        </p:txBody>
+      </p:sp>
+      <p:sp>
+        <p:nvSpPr>
+          <p:cNvPr id="11" name="圆角矩形 10"/>
+          <p:cNvSpPr/>
+          <p:nvPr/>
+        </p:nvSpPr>
+        <p:spPr>
+          <a:xfrm>
+            <a:off x="8060141" y="1495958"/>
+            <a:ext cx="2715130" cy="1280160"/>
+          </a:xfrm>
+          <a:prstGeom prst="roundRect">
+            <a:avLst/>
+          </a:prstGeom>
+        </p:spPr>
+        <p:style>
+          <a:lnRef idx="3">
+            <a:schemeClr val="lt1"/>
+          </a:lnRef>
+          <a:fillRef idx="1">
+            <a:schemeClr val="accent1"/>
+          </a:fillRef>
+          <a:effectRef idx="1">
+            <a:schemeClr val="accent1"/>
+          </a:effectRef>
+          <a:fontRef idx="minor">
+            <a:schemeClr val="lt1"/>
+          </a:fontRef>
+        </p:style>
+        <p:txBody>
+          <a:bodyPr rtlCol="0" anchor="ctr"/>
+          <a:lstStyle/>
+          <a:p>
+            <a:pPr algn="ctr"/>
+            <a:r>
+              <a:rPr lang="zh-CN" altLang="en-US" b="1" dirty="0" smtClean="0">
+                <a:ln w="10160">
+                  <a:solidFill>
+                    <a:schemeClr val="accent5"/>
+                  </a:solidFill>
+                  <a:prstDash val="solid"/>
+                </a:ln>
+                <a:solidFill>
+                  <a:srgbClr val="FFFFFF"/>
+                </a:solidFill>
+                <a:effectLst>
+                  <a:outerShdw blurRad="38100" dist="22860" dir="5400000" algn="tl" rotWithShape="0">
+                    <a:srgbClr val="000000">
+                      <a:alpha val="30000"/>
+                    </a:srgbClr>
+                  </a:outerShdw>
+                </a:effectLst>
+              </a:rPr>
+              <a:t>文档生成</a:t>
+            </a:r>
+            <a:endParaRPr lang="zh-CN" altLang="en-US" b="1" dirty="0">
+              <a:ln w="10160">
+                <a:solidFill>
+                  <a:schemeClr val="accent5"/>
+                </a:solidFill>
+                <a:prstDash val="solid"/>
+              </a:ln>
+              <a:solidFill>
+                <a:srgbClr val="FFFFFF"/>
+              </a:solidFill>
+              <a:effectLst>
+                <a:outerShdw blurRad="38100" dist="22860" dir="5400000" algn="tl" rotWithShape="0">
+                  <a:srgbClr val="000000">
+                    <a:alpha val="30000"/>
+                  </a:srgbClr>
+                </a:outerShdw>
+              </a:effectLst>
+            </a:endParaRPr>
           </a:p>
         </p:txBody>
       </p:sp>
